--- a/docs/Cash Scanner.pptx
+++ b/docs/Cash Scanner.pptx
@@ -421,7 +421,8 @@
           <a:p>
             <a:fld id="{CF0F8505-BEAE-4DD5-A4C4-D3116C3A27EA}" type="datetimeFigureOut">
               <a:rPr lang="en-US" smtClean="0"/>
-              <a:t>2/7/2014</a:t>
+              <a:pPr/>
+              <a:t>2/8/2014</a:t>
             </a:fld>
             <a:endParaRPr lang="en-US"/>
           </a:p>
@@ -467,6 +468,7 @@
           <a:p>
             <a:fld id="{50F3915E-AE36-4D2A-A071-4AA7313EEB00}" type="slidenum">
               <a:rPr lang="en-US" smtClean="0"/>
+              <a:pPr/>
               <a:t>‹#›</a:t>
             </a:fld>
             <a:endParaRPr lang="en-US"/>
@@ -606,7 +608,8 @@
           <a:p>
             <a:fld id="{CF0F8505-BEAE-4DD5-A4C4-D3116C3A27EA}" type="datetimeFigureOut">
               <a:rPr lang="en-US" smtClean="0"/>
-              <a:t>2/7/2014</a:t>
+              <a:pPr/>
+              <a:t>2/8/2014</a:t>
             </a:fld>
             <a:endParaRPr lang="en-US"/>
           </a:p>
@@ -652,6 +655,7 @@
           <a:p>
             <a:fld id="{50F3915E-AE36-4D2A-A071-4AA7313EEB00}" type="slidenum">
               <a:rPr lang="en-US" smtClean="0"/>
+              <a:pPr/>
               <a:t>‹#›</a:t>
             </a:fld>
             <a:endParaRPr lang="en-US"/>
@@ -791,7 +795,8 @@
           <a:p>
             <a:fld id="{CF0F8505-BEAE-4DD5-A4C4-D3116C3A27EA}" type="datetimeFigureOut">
               <a:rPr lang="en-US" smtClean="0"/>
-              <a:t>2/7/2014</a:t>
+              <a:pPr/>
+              <a:t>2/8/2014</a:t>
             </a:fld>
             <a:endParaRPr lang="en-US"/>
           </a:p>
@@ -837,6 +842,7 @@
           <a:p>
             <a:fld id="{50F3915E-AE36-4D2A-A071-4AA7313EEB00}" type="slidenum">
               <a:rPr lang="en-US" smtClean="0"/>
+              <a:pPr/>
               <a:t>‹#›</a:t>
             </a:fld>
             <a:endParaRPr lang="en-US"/>
@@ -976,7 +982,8 @@
           <a:p>
             <a:fld id="{CF0F8505-BEAE-4DD5-A4C4-D3116C3A27EA}" type="datetimeFigureOut">
               <a:rPr lang="en-US" smtClean="0"/>
-              <a:t>2/7/2014</a:t>
+              <a:pPr/>
+              <a:t>2/8/2014</a:t>
             </a:fld>
             <a:endParaRPr lang="en-US"/>
           </a:p>
@@ -1022,6 +1029,7 @@
           <a:p>
             <a:fld id="{50F3915E-AE36-4D2A-A071-4AA7313EEB00}" type="slidenum">
               <a:rPr lang="en-US" smtClean="0"/>
+              <a:pPr/>
               <a:t>‹#›</a:t>
             </a:fld>
             <a:endParaRPr lang="en-US"/>
@@ -1357,7 +1365,8 @@
           <a:p>
             <a:fld id="{CF0F8505-BEAE-4DD5-A4C4-D3116C3A27EA}" type="datetimeFigureOut">
               <a:rPr lang="en-US" smtClean="0"/>
-              <a:t>2/7/2014</a:t>
+              <a:pPr/>
+              <a:t>2/8/2014</a:t>
             </a:fld>
             <a:endParaRPr lang="en-US"/>
           </a:p>
@@ -1403,6 +1412,7 @@
           <a:p>
             <a:fld id="{50F3915E-AE36-4D2A-A071-4AA7313EEB00}" type="slidenum">
               <a:rPr lang="en-US" smtClean="0"/>
+              <a:pPr/>
               <a:t>‹#›</a:t>
             </a:fld>
             <a:endParaRPr lang="en-US"/>
@@ -1626,7 +1636,8 @@
           <a:p>
             <a:fld id="{CF0F8505-BEAE-4DD5-A4C4-D3116C3A27EA}" type="datetimeFigureOut">
               <a:rPr lang="en-US" smtClean="0"/>
-              <a:t>2/7/2014</a:t>
+              <a:pPr/>
+              <a:t>2/8/2014</a:t>
             </a:fld>
             <a:endParaRPr lang="en-US"/>
           </a:p>
@@ -1672,6 +1683,7 @@
           <a:p>
             <a:fld id="{50F3915E-AE36-4D2A-A071-4AA7313EEB00}" type="slidenum">
               <a:rPr lang="en-US" smtClean="0"/>
+              <a:pPr/>
               <a:t>‹#›</a:t>
             </a:fld>
             <a:endParaRPr lang="en-US"/>
@@ -2011,7 +2023,8 @@
           <a:p>
             <a:fld id="{CF0F8505-BEAE-4DD5-A4C4-D3116C3A27EA}" type="datetimeFigureOut">
               <a:rPr lang="en-US" smtClean="0"/>
-              <a:t>2/7/2014</a:t>
+              <a:pPr/>
+              <a:t>2/8/2014</a:t>
             </a:fld>
             <a:endParaRPr lang="en-US"/>
           </a:p>
@@ -2057,6 +2070,7 @@
           <a:p>
             <a:fld id="{50F3915E-AE36-4D2A-A071-4AA7313EEB00}" type="slidenum">
               <a:rPr lang="en-US" smtClean="0"/>
+              <a:pPr/>
               <a:t>‹#›</a:t>
             </a:fld>
             <a:endParaRPr lang="en-US"/>
@@ -2132,7 +2146,8 @@
           <a:p>
             <a:fld id="{CF0F8505-BEAE-4DD5-A4C4-D3116C3A27EA}" type="datetimeFigureOut">
               <a:rPr lang="en-US" smtClean="0"/>
-              <a:t>2/7/2014</a:t>
+              <a:pPr/>
+              <a:t>2/8/2014</a:t>
             </a:fld>
             <a:endParaRPr lang="en-US"/>
           </a:p>
@@ -2178,6 +2193,7 @@
           <a:p>
             <a:fld id="{50F3915E-AE36-4D2A-A071-4AA7313EEB00}" type="slidenum">
               <a:rPr lang="en-US" smtClean="0"/>
+              <a:pPr/>
               <a:t>‹#›</a:t>
             </a:fld>
             <a:endParaRPr lang="en-US"/>
@@ -2312,7 +2328,8 @@
           <a:p>
             <a:fld id="{CF0F8505-BEAE-4DD5-A4C4-D3116C3A27EA}" type="datetimeFigureOut">
               <a:rPr lang="en-US" smtClean="0"/>
-              <a:t>2/7/2014</a:t>
+              <a:pPr/>
+              <a:t>2/8/2014</a:t>
             </a:fld>
             <a:endParaRPr lang="en-US"/>
           </a:p>
@@ -2358,6 +2375,7 @@
           <a:p>
             <a:fld id="{50F3915E-AE36-4D2A-A071-4AA7313EEB00}" type="slidenum">
               <a:rPr lang="en-US" smtClean="0"/>
+              <a:pPr/>
               <a:t>‹#›</a:t>
             </a:fld>
             <a:endParaRPr lang="en-US"/>
@@ -2646,7 +2664,8 @@
           <a:p>
             <a:fld id="{CF0F8505-BEAE-4DD5-A4C4-D3116C3A27EA}" type="datetimeFigureOut">
               <a:rPr lang="en-US" smtClean="0"/>
-              <a:t>2/7/2014</a:t>
+              <a:pPr/>
+              <a:t>2/8/2014</a:t>
             </a:fld>
             <a:endParaRPr lang="en-US"/>
           </a:p>
@@ -2692,6 +2711,7 @@
           <a:p>
             <a:fld id="{50F3915E-AE36-4D2A-A071-4AA7313EEB00}" type="slidenum">
               <a:rPr lang="en-US" smtClean="0"/>
+              <a:pPr/>
               <a:t>‹#›</a:t>
             </a:fld>
             <a:endParaRPr lang="en-US"/>
@@ -3015,7 +3035,8 @@
           <a:p>
             <a:fld id="{CF0F8505-BEAE-4DD5-A4C4-D3116C3A27EA}" type="datetimeFigureOut">
               <a:rPr lang="en-US" smtClean="0"/>
-              <a:t>2/7/2014</a:t>
+              <a:pPr/>
+              <a:t>2/8/2014</a:t>
             </a:fld>
             <a:endParaRPr lang="en-US"/>
           </a:p>
@@ -3061,6 +3082,7 @@
           <a:p>
             <a:fld id="{50F3915E-AE36-4D2A-A071-4AA7313EEB00}" type="slidenum">
               <a:rPr lang="en-US" smtClean="0"/>
+              <a:pPr/>
               <a:t>‹#›</a:t>
             </a:fld>
             <a:endParaRPr lang="en-US"/>
@@ -3433,7 +3455,8 @@
           <a:p>
             <a:fld id="{CF0F8505-BEAE-4DD5-A4C4-D3116C3A27EA}" type="datetimeFigureOut">
               <a:rPr lang="en-US" smtClean="0"/>
-              <a:t>2/7/2014</a:t>
+              <a:pPr/>
+              <a:t>2/8/2014</a:t>
             </a:fld>
             <a:endParaRPr lang="en-US"/>
           </a:p>
@@ -3513,6 +3536,7 @@
           <a:p>
             <a:fld id="{50F3915E-AE36-4D2A-A071-4AA7313EEB00}" type="slidenum">
               <a:rPr lang="en-US" smtClean="0"/>
+              <a:pPr/>
               <a:t>‹#›</a:t>
             </a:fld>
             <a:endParaRPr lang="en-US"/>
@@ -3956,7 +3980,7 @@
             </a:br>
             <a:r>
               <a:rPr lang="en-US" dirty="0" smtClean="0"/>
-              <a:t>Dean </a:t>
+              <a:t>Dian </a:t>
             </a:r>
             <a:r>
               <a:rPr lang="en-US" dirty="0" err="1" smtClean="0"/>
@@ -3969,7 +3993,7 @@
     </p:spTree>
     <p:extLst>
       <p:ext uri="{BB962C8B-B14F-4D97-AF65-F5344CB8AC3E}">
-        <p14:creationId xmlns:p14="http://schemas.microsoft.com/office/powerpoint/2010/main" val="743427083"/>
+        <p14:creationId xmlns:p14="http://schemas.microsoft.com/office/powerpoint/2010/main" xmlns="" val="743427083"/>
       </p:ext>
     </p:extLst>
   </p:cSld>
@@ -4020,7 +4044,7 @@
           <a:p>
             <a:r>
               <a:rPr lang="en-US" dirty="0" smtClean="0"/>
-              <a:t>Problem?</a:t>
+              <a:t>Purpose?</a:t>
             </a:r>
             <a:endParaRPr lang="en-US" dirty="0"/>
           </a:p>
@@ -4086,7 +4110,7 @@
     </p:spTree>
     <p:extLst>
       <p:ext uri="{BB962C8B-B14F-4D97-AF65-F5344CB8AC3E}">
-        <p14:creationId xmlns:p14="http://schemas.microsoft.com/office/powerpoint/2010/main" val="2957884969"/>
+        <p14:creationId xmlns:p14="http://schemas.microsoft.com/office/powerpoint/2010/main" xmlns="" val="2957884969"/>
       </p:ext>
     </p:extLst>
   </p:cSld>
@@ -4230,7 +4254,7 @@
     </p:spTree>
     <p:extLst>
       <p:ext uri="{BB962C8B-B14F-4D97-AF65-F5344CB8AC3E}">
-        <p14:creationId xmlns:p14="http://schemas.microsoft.com/office/powerpoint/2010/main" val="394147057"/>
+        <p14:creationId xmlns:p14="http://schemas.microsoft.com/office/powerpoint/2010/main" xmlns="" val="394147057"/>
       </p:ext>
     </p:extLst>
   </p:cSld>
@@ -4287,45 +4311,188 @@
           </a:p>
         </p:txBody>
       </p:sp>
-      <p:sp>
-        <p:nvSpPr>
-          <p:cNvPr id="3" name="Content Placeholder 2"/>
-          <p:cNvSpPr>
-            <a:spLocks noGrp="1"/>
-          </p:cNvSpPr>
-          <p:nvPr>
-            <p:ph idx="1"/>
-          </p:nvPr>
-        </p:nvSpPr>
-        <p:spPr/>
-        <p:txBody>
-          <a:bodyPr/>
+      <p:pic>
+        <p:nvPicPr>
+          <p:cNvPr id="4" name="Picture 3"/>
+          <p:cNvPicPr/>
+          <p:nvPr/>
+        </p:nvPicPr>
+        <p:blipFill>
+          <a:blip r:embed="rId2" cstate="print">
+            <a:extLst>
+              <a:ext uri="{28A0092B-C50C-407E-A947-70E740481C1C}">
+                <a14:useLocalDpi xmlns:a14="http://schemas.microsoft.com/office/drawing/2010/main" xmlns="" val="0"/>
+              </a:ext>
+            </a:extLst>
+          </a:blip>
+          <a:stretch>
+            <a:fillRect/>
+          </a:stretch>
+        </p:blipFill>
+        <p:spPr>
+          <a:xfrm rot="16200000">
+            <a:off x="6000749" y="3295650"/>
+            <a:ext cx="1895475" cy="3228975"/>
+          </a:xfrm>
+          <a:prstGeom prst="rect">
+            <a:avLst/>
+          </a:prstGeom>
+        </p:spPr>
+      </p:pic>
+      <p:pic>
+        <p:nvPicPr>
+          <p:cNvPr id="5" name="Picture 4"/>
+          <p:cNvPicPr/>
+          <p:nvPr/>
+        </p:nvPicPr>
+        <p:blipFill>
+          <a:blip r:embed="rId3" cstate="print">
+            <a:extLst>
+              <a:ext uri="{28A0092B-C50C-407E-A947-70E740481C1C}">
+                <a14:useLocalDpi xmlns:a14="http://schemas.microsoft.com/office/drawing/2010/main" xmlns="" val="0"/>
+              </a:ext>
+            </a:extLst>
+          </a:blip>
+          <a:stretch>
+            <a:fillRect/>
+          </a:stretch>
+        </p:blipFill>
+        <p:spPr>
+          <a:xfrm rot="16200000">
+            <a:off x="1415234" y="1493427"/>
+            <a:ext cx="1876425" cy="3286125"/>
+          </a:xfrm>
+          <a:prstGeom prst="rect">
+            <a:avLst/>
+          </a:prstGeom>
+        </p:spPr>
+      </p:pic>
+      <p:pic>
+        <p:nvPicPr>
+          <p:cNvPr id="6" name="Picture 5"/>
+          <p:cNvPicPr/>
+          <p:nvPr/>
+        </p:nvPicPr>
+        <p:blipFill>
+          <a:blip r:embed="rId4" cstate="print">
+            <a:extLst>
+              <a:ext uri="{28A0092B-C50C-407E-A947-70E740481C1C}">
+                <a14:useLocalDpi xmlns:a14="http://schemas.microsoft.com/office/drawing/2010/main" xmlns="" val="0"/>
+              </a:ext>
+            </a:extLst>
+          </a:blip>
+          <a:stretch>
+            <a:fillRect/>
+          </a:stretch>
+        </p:blipFill>
+        <p:spPr>
+          <a:xfrm rot="16200000">
+            <a:off x="5982571" y="-250059"/>
+            <a:ext cx="1990725" cy="3282950"/>
+          </a:xfrm>
+          <a:prstGeom prst="rect">
+            <a:avLst/>
+          </a:prstGeom>
+        </p:spPr>
+      </p:pic>
+      <p:sp>
+        <p:nvSpPr>
+          <p:cNvPr id="7" name="TextBox 6"/>
+          <p:cNvSpPr txBox="1"/>
+          <p:nvPr/>
+        </p:nvSpPr>
+        <p:spPr>
+          <a:xfrm>
+            <a:off x="1371599" y="1027000"/>
+            <a:ext cx="3962400" cy="369332"/>
+          </a:xfrm>
+          <a:prstGeom prst="rect">
+            <a:avLst/>
+          </a:prstGeom>
+          <a:noFill/>
+        </p:spPr>
+        <p:txBody>
+          <a:bodyPr wrap="square" rtlCol="0">
+            <a:spAutoFit/>
+          </a:bodyPr>
           <a:lstStyle/>
           <a:p>
             <a:r>
+              <a:rPr lang="en-US" dirty="0" err="1" smtClean="0"/>
+              <a:t>Sobel</a:t>
+            </a:r>
+            <a:r>
               <a:rPr lang="en-US" dirty="0" smtClean="0"/>
-              <a:t>2 </a:t>
-            </a:r>
-            <a:r>
-              <a:rPr lang="en-US" dirty="0" err="1" smtClean="0"/>
-              <a:t>snimki</a:t>
-            </a:r>
+              <a:t> identifies edges</a:t>
+            </a:r>
+            <a:endParaRPr lang="en-US" dirty="0"/>
+          </a:p>
+        </p:txBody>
+      </p:sp>
+      <p:sp>
+        <p:nvSpPr>
+          <p:cNvPr id="8" name="TextBox 7"/>
+          <p:cNvSpPr txBox="1"/>
+          <p:nvPr/>
+        </p:nvSpPr>
+        <p:spPr>
+          <a:xfrm>
+            <a:off x="4313669" y="2951824"/>
+            <a:ext cx="4249305" cy="369332"/>
+          </a:xfrm>
+          <a:prstGeom prst="rect">
+            <a:avLst/>
+          </a:prstGeom>
+          <a:noFill/>
+        </p:spPr>
+        <p:txBody>
+          <a:bodyPr wrap="none" rtlCol="0">
+            <a:spAutoFit/>
+          </a:bodyPr>
+          <a:lstStyle/>
+          <a:p>
             <a:r>
               <a:rPr lang="en-US" dirty="0" smtClean="0"/>
-              <a:t> </a:t>
-            </a:r>
-            <a:r>
-              <a:rPr lang="en-US" dirty="0" err="1" smtClean="0"/>
-              <a:t>tuk</a:t>
-            </a:r>
-            <a:endParaRPr lang="en-US" dirty="0" smtClean="0"/>
+              <a:t>Hough transforms recognizes coins</a:t>
+            </a:r>
+            <a:endParaRPr lang="en-US" dirty="0"/>
+          </a:p>
+        </p:txBody>
+      </p:sp>
+      <p:sp>
+        <p:nvSpPr>
+          <p:cNvPr id="9" name="TextBox 8"/>
+          <p:cNvSpPr txBox="1"/>
+          <p:nvPr/>
+        </p:nvSpPr>
+        <p:spPr>
+          <a:xfrm>
+            <a:off x="1583276" y="4694898"/>
+            <a:ext cx="3539046" cy="369332"/>
+          </a:xfrm>
+          <a:prstGeom prst="rect">
+            <a:avLst/>
+          </a:prstGeom>
+          <a:noFill/>
+        </p:spPr>
+        <p:txBody>
+          <a:bodyPr wrap="none" rtlCol="0">
+            <a:spAutoFit/>
+          </a:bodyPr>
+          <a:lstStyle/>
+          <a:p>
+            <a:r>
+              <a:rPr lang="en-US" dirty="0" smtClean="0"/>
+              <a:t>Original image result overlay</a:t>
+            </a:r>
+            <a:endParaRPr lang="en-US" dirty="0"/>
           </a:p>
         </p:txBody>
       </p:sp>
     </p:spTree>
     <p:extLst>
       <p:ext uri="{BB962C8B-B14F-4D97-AF65-F5344CB8AC3E}">
-        <p14:creationId xmlns:p14="http://schemas.microsoft.com/office/powerpoint/2010/main" val="3263879579"/>
+        <p14:creationId xmlns:p14="http://schemas.microsoft.com/office/powerpoint/2010/main" xmlns="" val="3263879579"/>
       </p:ext>
     </p:extLst>
   </p:cSld>
@@ -4399,14 +4566,42 @@
           <a:bodyPr/>
           <a:lstStyle/>
           <a:p>
-            <a:endParaRPr lang="en-US" dirty="0"/>
+            <a:r>
+              <a:rPr lang="en-US" dirty="0" smtClean="0"/>
+              <a:t>Why </a:t>
+            </a:r>
+            <a:r>
+              <a:rPr lang="en-US" dirty="0" err="1" smtClean="0"/>
+              <a:t>Sobel</a:t>
+            </a:r>
+            <a:r>
+              <a:rPr lang="en-US" dirty="0" smtClean="0"/>
+              <a:t> and not Canny edge</a:t>
+            </a:r>
+          </a:p>
+          <a:p>
+            <a:r>
+              <a:rPr lang="en-US" dirty="0" smtClean="0"/>
+              <a:t>Why Hough </a:t>
+            </a:r>
+            <a:r>
+              <a:rPr lang="en-US" dirty="0" smtClean="0"/>
+              <a:t>transforms</a:t>
+            </a:r>
+          </a:p>
+          <a:p>
+            <a:r>
+              <a:rPr lang="en-US" dirty="0" smtClean="0"/>
+              <a:t>How are we classifying found circles as specific coins</a:t>
+            </a:r>
+            <a:endParaRPr lang="en-US" dirty="0" smtClean="0"/>
           </a:p>
         </p:txBody>
       </p:sp>
     </p:spTree>
     <p:extLst>
       <p:ext uri="{BB962C8B-B14F-4D97-AF65-F5344CB8AC3E}">
-        <p14:creationId xmlns:p14="http://schemas.microsoft.com/office/powerpoint/2010/main" val="1421904688"/>
+        <p14:creationId xmlns:p14="http://schemas.microsoft.com/office/powerpoint/2010/main" xmlns="" val="1421904688"/>
       </p:ext>
     </p:extLst>
   </p:cSld>
@@ -4502,6 +4697,20 @@
               <a:rPr lang="en-US" dirty="0" smtClean="0"/>
               <a:t>Insufficient research information</a:t>
             </a:r>
+          </a:p>
+          <a:p>
+            <a:r>
+              <a:rPr lang="en-US" dirty="0" smtClean="0"/>
+              <a:t>Texture </a:t>
+            </a:r>
+            <a:r>
+              <a:rPr lang="en-US" dirty="0" err="1" smtClean="0"/>
+              <a:t>markedness</a:t>
+            </a:r>
+            <a:r>
+              <a:rPr lang="en-US" dirty="0" smtClean="0"/>
+              <a:t> and detail</a:t>
+            </a:r>
             <a:endParaRPr lang="en-US" dirty="0"/>
           </a:p>
           <a:p>
@@ -4512,7 +4721,7 @@
     </p:spTree>
     <p:extLst>
       <p:ext uri="{BB962C8B-B14F-4D97-AF65-F5344CB8AC3E}">
-        <p14:creationId xmlns:p14="http://schemas.microsoft.com/office/powerpoint/2010/main" val="3142069486"/>
+        <p14:creationId xmlns:p14="http://schemas.microsoft.com/office/powerpoint/2010/main" xmlns="" val="3142069486"/>
       </p:ext>
     </p:extLst>
   </p:cSld>
@@ -4584,14 +4793,57 @@
           <a:bodyPr/>
           <a:lstStyle/>
           <a:p>
-            <a:endParaRPr lang="en-US" dirty="0"/>
+            <a:r>
+              <a:rPr lang="en-US" dirty="0" smtClean="0"/>
+              <a:t>We can positively differentiate coins from other (round) objects</a:t>
+            </a:r>
+          </a:p>
+          <a:p>
+            <a:r>
+              <a:rPr lang="en-US" dirty="0" smtClean="0"/>
+              <a:t>Successful processing, however, </a:t>
+            </a:r>
+            <a:r>
+              <a:rPr lang="en-US" dirty="0"/>
+              <a:t>depends highly on</a:t>
+            </a:r>
+            <a:r>
+              <a:rPr lang="en-US" dirty="0" smtClean="0"/>
+              <a:t>:</a:t>
+            </a:r>
+          </a:p>
+          <a:p>
+            <a:pPr lvl="1"/>
+            <a:r>
+              <a:rPr lang="en-US" dirty="0" smtClean="0"/>
+              <a:t>Quality of input image</a:t>
+            </a:r>
+          </a:p>
+          <a:p>
+            <a:pPr lvl="1"/>
+            <a:r>
+              <a:rPr lang="en-US" dirty="0" smtClean="0"/>
+              <a:t>Texture </a:t>
+            </a:r>
+            <a:r>
+              <a:rPr lang="en-US" dirty="0" err="1" smtClean="0"/>
+              <a:t>markedness</a:t>
+            </a:r>
+            <a:endParaRPr lang="en-US" dirty="0" smtClean="0"/>
+          </a:p>
+          <a:p>
+            <a:pPr lvl="1"/>
+            <a:r>
+              <a:rPr lang="en-US" dirty="0" smtClean="0"/>
+              <a:t>Texture level of detail - there are subtle differences between different classes of coins that must be recognized</a:t>
+            </a:r>
           </a:p>
         </p:txBody>
       </p:sp>
     </p:spTree>
     <p:extLst>
       <p:ext uri="{BB962C8B-B14F-4D97-AF65-F5344CB8AC3E}">
-        <p14:creationId xmlns:p14="http://schemas.microsoft.com/office/powerpoint/2010/main" val="2065755320"/>
+        <p14:creationId xmlns:p14="http://schemas.microsoft.com/office/powerpoint/2010/main" xmlns="" val="2065755320"/>
       </p:ext>
     </p:extLst>
   </p:cSld>
@@ -4676,7 +4928,7 @@
     </p:spTree>
     <p:extLst>
       <p:ext uri="{BB962C8B-B14F-4D97-AF65-F5344CB8AC3E}">
-        <p14:creationId xmlns:p14="http://schemas.microsoft.com/office/powerpoint/2010/main" val="4156378251"/>
+        <p14:creationId xmlns:p14="http://schemas.microsoft.com/office/powerpoint/2010/main" xmlns="" val="4156378251"/>
       </p:ext>
     </p:extLst>
   </p:cSld>
@@ -4754,7 +5006,7 @@
     </p:spTree>
     <p:extLst>
       <p:ext uri="{BB962C8B-B14F-4D97-AF65-F5344CB8AC3E}">
-        <p14:creationId xmlns:p14="http://schemas.microsoft.com/office/powerpoint/2010/main" val="3973281754"/>
+        <p14:creationId xmlns:p14="http://schemas.microsoft.com/office/powerpoint/2010/main" xmlns="" val="3973281754"/>
       </p:ext>
     </p:extLst>
   </p:cSld>
